--- a/Presentation Materials/GreenRoofPoster.pptx
+++ b/Presentation Materials/GreenRoofPoster.pptx
@@ -212,7 +212,7 @@
           <a:p>
             <a:fld id="{187F6818-F1FB-4D27-8171-4E0220B64D2F}" type="datetimeFigureOut">
               <a:rPr lang="en-US" smtClean="0"/>
-              <a:t>1/18/2018</a:t>
+              <a:t>2/1/2018</a:t>
             </a:fld>
             <a:endParaRPr lang="en-US"/>
           </a:p>
@@ -742,7 +742,7 @@
           <a:p>
             <a:fld id="{FD323AE5-F1FD-4A7C-BBF1-76B5FCABBF55}" type="datetimeFigureOut">
               <a:rPr lang="en-US" smtClean="0"/>
-              <a:t>1/18/2018</a:t>
+              <a:t>2/1/2018</a:t>
             </a:fld>
             <a:endParaRPr lang="en-US"/>
           </a:p>
@@ -910,7 +910,7 @@
           <a:p>
             <a:fld id="{FD323AE5-F1FD-4A7C-BBF1-76B5FCABBF55}" type="datetimeFigureOut">
               <a:rPr lang="en-US" smtClean="0"/>
-              <a:t>1/18/2018</a:t>
+              <a:t>2/1/2018</a:t>
             </a:fld>
             <a:endParaRPr lang="en-US"/>
           </a:p>
@@ -1088,7 +1088,7 @@
           <a:p>
             <a:fld id="{FD323AE5-F1FD-4A7C-BBF1-76B5FCABBF55}" type="datetimeFigureOut">
               <a:rPr lang="en-US" smtClean="0"/>
-              <a:t>1/18/2018</a:t>
+              <a:t>2/1/2018</a:t>
             </a:fld>
             <a:endParaRPr lang="en-US"/>
           </a:p>
@@ -1256,7 +1256,7 @@
           <a:p>
             <a:fld id="{FD323AE5-F1FD-4A7C-BBF1-76B5FCABBF55}" type="datetimeFigureOut">
               <a:rPr lang="en-US" smtClean="0"/>
-              <a:t>1/18/2018</a:t>
+              <a:t>2/1/2018</a:t>
             </a:fld>
             <a:endParaRPr lang="en-US"/>
           </a:p>
@@ -1501,7 +1501,7 @@
           <a:p>
             <a:fld id="{FD323AE5-F1FD-4A7C-BBF1-76B5FCABBF55}" type="datetimeFigureOut">
               <a:rPr lang="en-US" smtClean="0"/>
-              <a:t>1/18/2018</a:t>
+              <a:t>2/1/2018</a:t>
             </a:fld>
             <a:endParaRPr lang="en-US"/>
           </a:p>
@@ -1786,7 +1786,7 @@
           <a:p>
             <a:fld id="{FD323AE5-F1FD-4A7C-BBF1-76B5FCABBF55}" type="datetimeFigureOut">
               <a:rPr lang="en-US" smtClean="0"/>
-              <a:t>1/18/2018</a:t>
+              <a:t>2/1/2018</a:t>
             </a:fld>
             <a:endParaRPr lang="en-US"/>
           </a:p>
@@ -2205,7 +2205,7 @@
           <a:p>
             <a:fld id="{FD323AE5-F1FD-4A7C-BBF1-76B5FCABBF55}" type="datetimeFigureOut">
               <a:rPr lang="en-US" smtClean="0"/>
-              <a:t>1/18/2018</a:t>
+              <a:t>2/1/2018</a:t>
             </a:fld>
             <a:endParaRPr lang="en-US"/>
           </a:p>
@@ -2322,7 +2322,7 @@
           <a:p>
             <a:fld id="{FD323AE5-F1FD-4A7C-BBF1-76B5FCABBF55}" type="datetimeFigureOut">
               <a:rPr lang="en-US" smtClean="0"/>
-              <a:t>1/18/2018</a:t>
+              <a:t>2/1/2018</a:t>
             </a:fld>
             <a:endParaRPr lang="en-US"/>
           </a:p>
@@ -2417,7 +2417,7 @@
           <a:p>
             <a:fld id="{FD323AE5-F1FD-4A7C-BBF1-76B5FCABBF55}" type="datetimeFigureOut">
               <a:rPr lang="en-US" smtClean="0"/>
-              <a:t>1/18/2018</a:t>
+              <a:t>2/1/2018</a:t>
             </a:fld>
             <a:endParaRPr lang="en-US"/>
           </a:p>
@@ -2692,7 +2692,7 @@
           <a:p>
             <a:fld id="{FD323AE5-F1FD-4A7C-BBF1-76B5FCABBF55}" type="datetimeFigureOut">
               <a:rPr lang="en-US" smtClean="0"/>
-              <a:t>1/18/2018</a:t>
+              <a:t>2/1/2018</a:t>
             </a:fld>
             <a:endParaRPr lang="en-US"/>
           </a:p>
@@ -2944,7 +2944,7 @@
           <a:p>
             <a:fld id="{FD323AE5-F1FD-4A7C-BBF1-76B5FCABBF55}" type="datetimeFigureOut">
               <a:rPr lang="en-US" smtClean="0"/>
-              <a:t>1/18/2018</a:t>
+              <a:t>2/1/2018</a:t>
             </a:fld>
             <a:endParaRPr lang="en-US"/>
           </a:p>
@@ -3155,7 +3155,7 @@
           <a:p>
             <a:fld id="{FD323AE5-F1FD-4A7C-BBF1-76B5FCABBF55}" type="datetimeFigureOut">
               <a:rPr lang="en-US" smtClean="0"/>
-              <a:t>1/18/2018</a:t>
+              <a:t>2/1/2018</a:t>
             </a:fld>
             <a:endParaRPr lang="en-US"/>
           </a:p>
@@ -3532,14 +3532,63 @@
       </p:grpSpPr>
       <p:sp>
         <p:nvSpPr>
+          <p:cNvPr id="5" name="Rectangle 4"/>
+          <p:cNvSpPr/>
+          <p:nvPr/>
+        </p:nvSpPr>
+        <p:spPr>
+          <a:xfrm>
+            <a:off x="0" y="-53984"/>
+            <a:ext cx="29260800" cy="38458784"/>
+          </a:xfrm>
+          <a:prstGeom prst="rect">
+            <a:avLst/>
+          </a:prstGeom>
+          <a:solidFill>
+            <a:schemeClr val="accent3">
+              <a:lumMod val="20000"/>
+              <a:lumOff val="80000"/>
+            </a:schemeClr>
+          </a:solidFill>
+          <a:ln>
+            <a:noFill/>
+          </a:ln>
+        </p:spPr>
+        <p:style>
+          <a:lnRef idx="2">
+            <a:schemeClr val="accent1">
+              <a:shade val="50000"/>
+            </a:schemeClr>
+          </a:lnRef>
+          <a:fillRef idx="1">
+            <a:schemeClr val="accent1"/>
+          </a:fillRef>
+          <a:effectRef idx="0">
+            <a:schemeClr val="accent1"/>
+          </a:effectRef>
+          <a:fontRef idx="minor">
+            <a:schemeClr val="lt1"/>
+          </a:fontRef>
+        </p:style>
+        <p:txBody>
+          <a:bodyPr rtlCol="0" anchor="ctr"/>
+          <a:lstStyle/>
+          <a:p>
+            <a:pPr algn="ctr"/>
+            <a:endParaRPr lang="en-US"/>
+          </a:p>
+        </p:txBody>
+      </p:sp>
+      <p:sp>
+        <p:nvSpPr>
           <p:cNvPr id="6" name="TextBox 5"/>
           <p:cNvSpPr txBox="1"/>
           <p:nvPr/>
         </p:nvSpPr>
         <p:spPr>
           <a:xfrm>
-            <a:off x="9069769" y="592155"/>
-            <a:ext cx="11121262" cy="1446550"/>
+            <a:off x="6221920" y="540729"/>
+            <a:ext cx="16545088" cy="1107996"/>
           </a:xfrm>
           <a:prstGeom prst="rect">
             <a:avLst/>
@@ -3554,11 +3603,20 @@
           <a:p>
             <a:pPr algn="ctr"/>
             <a:r>
-              <a:rPr lang="en-US" sz="8800" b="1" dirty="0">
-                <a:latin typeface="Agency FB" panose="020B0503020202020204" pitchFamily="34" charset="0"/>
+              <a:rPr lang="en-US" sz="6600" b="1" dirty="0" smtClean="0">
+                <a:solidFill>
+                  <a:srgbClr val="0A2600"/>
+                </a:solidFill>
+                <a:latin typeface="Georgia" panose="02040502050405020303" pitchFamily="18" charset="0"/>
               </a:rPr>
-              <a:t>Morse Encoder Device</a:t>
-            </a:r>
+              <a:t>Green Roof Urban Microsimulations</a:t>
+            </a:r>
+            <a:endParaRPr lang="en-US" sz="6600" b="1" dirty="0">
+              <a:solidFill>
+                <a:srgbClr val="0A2600"/>
+              </a:solidFill>
+              <a:latin typeface="Georgia" panose="02040502050405020303" pitchFamily="18" charset="0"/>
+            </a:endParaRPr>
           </a:p>
         </p:txBody>
       </p:sp>
@@ -3570,8 +3628,8 @@
         </p:nvSpPr>
         <p:spPr>
           <a:xfrm>
-            <a:off x="5733817" y="2109713"/>
-            <a:ext cx="17793166" cy="3785652"/>
+            <a:off x="7282665" y="1459140"/>
+            <a:ext cx="13933470" cy="1015663"/>
           </a:xfrm>
           <a:prstGeom prst="rect">
             <a:avLst/>
@@ -3586,54 +3644,22 @@
           <a:p>
             <a:pPr algn="ctr"/>
             <a:r>
-              <a:rPr lang="en-US" sz="8000" dirty="0">
+              <a:rPr lang="en-US" sz="6000" dirty="0" smtClean="0">
                 <a:solidFill>
-                  <a:schemeClr val="accent3">
-                    <a:lumMod val="75000"/>
-                  </a:schemeClr>
+                  <a:srgbClr val="0A2600"/>
                 </a:solidFill>
-                <a:latin typeface="Agency FB" panose="020B0503020202020204" pitchFamily="34" charset="0"/>
+                <a:latin typeface="Georgia" panose="02040502050405020303" pitchFamily="18" charset="0"/>
               </a:rPr>
-              <a:t>Department of Urban and Regional Planning</a:t>
-            </a:r>
-          </a:p>
-          <a:p>
-            <a:pPr algn="ctr"/>
-            <a:r>
-              <a:rPr lang="en-US" sz="8000" dirty="0">
+              <a:t>Authors</a:t>
+            </a:r>
+            <a:r>
+              <a:rPr lang="en-US" sz="6000" dirty="0">
                 <a:solidFill>
-                  <a:schemeClr val="accent3">
-                    <a:lumMod val="75000"/>
-                  </a:schemeClr>
+                  <a:srgbClr val="0A2600"/>
                 </a:solidFill>
-                <a:latin typeface="Agency FB" panose="020B0503020202020204" pitchFamily="34" charset="0"/>
+                <a:latin typeface="Georgia" panose="02040502050405020303" pitchFamily="18" charset="0"/>
               </a:rPr>
-              <a:t>Department of Electrical &amp; </a:t>
-            </a:r>
-            <a:r>
-              <a:rPr lang="en-US" sz="8000">
-                <a:solidFill>
-                  <a:schemeClr val="accent3">
-                    <a:lumMod val="75000"/>
-                  </a:schemeClr>
-                </a:solidFill>
-                <a:latin typeface="Agency FB" panose="020B0503020202020204" pitchFamily="34" charset="0"/>
-              </a:rPr>
-              <a:t>Computer Engineering</a:t>
-            </a:r>
-          </a:p>
-          <a:p>
-            <a:pPr algn="ctr"/>
-            <a:r>
-              <a:rPr lang="en-US" sz="8000" dirty="0">
-                <a:solidFill>
-                  <a:schemeClr val="accent3">
-                    <a:lumMod val="75000"/>
-                  </a:schemeClr>
-                </a:solidFill>
-                <a:latin typeface="Agency FB" panose="020B0503020202020204" pitchFamily="34" charset="0"/>
-              </a:rPr>
-              <a:t>Authors: Harrison Freund, Scott Spak</a:t>
+              <a:t>: Harrison Freund, Scott Spak</a:t>
             </a:r>
           </a:p>
         </p:txBody>
@@ -3646,8 +3672,8 @@
         </p:nvSpPr>
         <p:spPr>
           <a:xfrm>
-            <a:off x="13387111" y="3277121"/>
-            <a:ext cx="2486578" cy="1107996"/>
+            <a:off x="13113316" y="2337282"/>
+            <a:ext cx="2762295" cy="923330"/>
           </a:xfrm>
           <a:prstGeom prst="rect">
             <a:avLst/>
@@ -3661,13 +3687,11 @@
           <a:lstStyle/>
           <a:p>
             <a:r>
-              <a:rPr lang="en-US" sz="6600" dirty="0">
+              <a:rPr lang="en-US" sz="5400" dirty="0">
                 <a:solidFill>
-                  <a:schemeClr val="accent3">
-                    <a:lumMod val="75000"/>
-                  </a:schemeClr>
+                  <a:srgbClr val="0A2600"/>
                 </a:solidFill>
-                <a:latin typeface="Agency FB" panose="020B0503020202020204" pitchFamily="34" charset="0"/>
+                <a:latin typeface="Georgia" panose="02040502050405020303" pitchFamily="18" charset="0"/>
               </a:rPr>
               <a:t>Abstract</a:t>
             </a:r>
@@ -3724,7 +3748,7 @@
           <a:p>
             <a:r>
               <a:rPr lang="en-US" sz="4000" dirty="0">
-                <a:latin typeface="Agency FB" panose="020B0503020202020204" pitchFamily="34" charset="0"/>
+                <a:latin typeface="Georgia" panose="02040502050405020303" pitchFamily="18" charset="0"/>
               </a:rPr>
               <a:t>Text</a:t>
             </a:r>
@@ -3732,7 +3756,7 @@
               <a:solidFill>
                 <a:schemeClr val="tx2"/>
               </a:solidFill>
-              <a:latin typeface="Agency FB" panose="020B0503020202020204" pitchFamily="34" charset="0"/>
+              <a:latin typeface="Georgia" panose="02040502050405020303" pitchFamily="18" charset="0"/>
             </a:endParaRPr>
           </a:p>
         </p:txBody>
@@ -3746,7 +3770,7 @@
         <p:spPr>
           <a:xfrm>
             <a:off x="457200" y="37392114"/>
-            <a:ext cx="13332496" cy="707886"/>
+            <a:ext cx="17221200" cy="707886"/>
           </a:xfrm>
           <a:prstGeom prst="rect">
             <a:avLst/>
@@ -3754,7 +3778,7 @@
           <a:noFill/>
         </p:spPr>
         <p:txBody>
-          <a:bodyPr wrap="none" rtlCol="0">
+          <a:bodyPr wrap="square" rtlCol="0">
             <a:spAutoFit/>
           </a:bodyPr>
           <a:lstStyle/>
@@ -3763,8 +3787,17 @@
               <a:rPr lang="en-US" sz="4000" dirty="0">
                 <a:latin typeface="Agency FB" panose="020B0503020202020204" pitchFamily="34" charset="0"/>
               </a:rPr>
-              <a:t>Departments of Urban &amp; Regional Planning and Electrical &amp; Computer Engineering</a:t>
-            </a:r>
+              <a:t>Departments of Urban &amp; Regional Planning and Electrical &amp; Computer </a:t>
+            </a:r>
+            <a:r>
+              <a:rPr lang="en-US" sz="4000" dirty="0" smtClean="0">
+                <a:latin typeface="Agency FB" panose="020B0503020202020204" pitchFamily="34" charset="0"/>
+              </a:rPr>
+              <a:t>Engineering	3 May 2018</a:t>
+            </a:r>
+            <a:endParaRPr lang="en-US" sz="4000" dirty="0">
+              <a:latin typeface="Agency FB" panose="020B0503020202020204" pitchFamily="34" charset="0"/>
+            </a:endParaRPr>
           </a:p>
         </p:txBody>
       </p:sp>
@@ -3904,7 +3937,7 @@
           </a:prstGeom>
           <a:solidFill>
             <a:schemeClr val="accent3">
-              <a:lumMod val="75000"/>
+              <a:lumMod val="50000"/>
               <a:alpha val="31000"/>
             </a:schemeClr>
           </a:solidFill>
@@ -3949,8 +3982,8 @@
         </p:nvSpPr>
         <p:spPr>
           <a:xfrm>
-            <a:off x="12931858" y="7035818"/>
-            <a:ext cx="3397084" cy="1015663"/>
+            <a:off x="12115800" y="6989251"/>
+            <a:ext cx="5291833" cy="1015663"/>
           </a:xfrm>
           <a:prstGeom prst="rect">
             <a:avLst/>
@@ -3965,7 +3998,7 @@
           <a:p>
             <a:r>
               <a:rPr lang="en-US" sz="6000" b="1" dirty="0">
-                <a:latin typeface="Agency FB" panose="020B0503020202020204" pitchFamily="34" charset="0"/>
+                <a:latin typeface="Georgia" panose="02040502050405020303" pitchFamily="18" charset="0"/>
               </a:rPr>
               <a:t>Introduction</a:t>
             </a:r>
@@ -4227,7 +4260,7 @@
         <p:spPr>
           <a:xfrm>
             <a:off x="15316200" y="32004000"/>
-            <a:ext cx="12801600" cy="1077218"/>
+            <a:ext cx="12801600" cy="3046988"/>
           </a:xfrm>
           <a:prstGeom prst="rect">
             <a:avLst/>
@@ -4241,10 +4274,16 @@
           <a:lstStyle/>
           <a:p>
             <a:r>
-              <a:rPr lang="en-US" sz="3200" dirty="0">
+              <a:rPr lang="en-US" sz="3200" dirty="0" smtClean="0">
                 <a:latin typeface="Agency FB" panose="020B0503020202020204" pitchFamily="34" charset="0"/>
               </a:rPr>
-              <a:t>Text</a:t>
+              <a:t>Future investigations regarding this line of work include answering questions about refining the input data sources. The author has a compiled list of variables that could be incorporated into a future and improved model. Also, with the foundational understanding of how to simulate eco-friendl</a:t>
+            </a:r>
+            <a:r>
+              <a:rPr lang="en-US" sz="3200" dirty="0" smtClean="0">
+                <a:latin typeface="Agency FB" panose="020B0503020202020204" pitchFamily="34" charset="0"/>
+              </a:rPr>
+              <a:t>y roof infrastructure, it would be possible to answer questions such as the economic rationality of solar panel installation.</a:t>
             </a:r>
             <a:endParaRPr lang="en-US" sz="3200" dirty="0">
               <a:solidFill>
@@ -4255,82 +4294,6 @@
           </a:p>
           <a:p>
             <a:endParaRPr lang="en-US" sz="3200" dirty="0"/>
-          </a:p>
-        </p:txBody>
-      </p:sp>
-      <p:sp>
-        <p:nvSpPr>
-          <p:cNvPr id="100" name="TextBox 99"/>
-          <p:cNvSpPr txBox="1"/>
-          <p:nvPr/>
-        </p:nvSpPr>
-        <p:spPr>
-          <a:xfrm>
-            <a:off x="8386006" y="29139886"/>
-            <a:ext cx="3765889" cy="1200329"/>
-          </a:xfrm>
-          <a:prstGeom prst="rect">
-            <a:avLst/>
-          </a:prstGeom>
-          <a:noFill/>
-        </p:spPr>
-        <p:txBody>
-          <a:bodyPr wrap="square" rtlCol="0">
-            <a:spAutoFit/>
-          </a:bodyPr>
-          <a:lstStyle/>
-          <a:p>
-            <a:pPr algn="ctr"/>
-            <a:r>
-              <a:rPr lang="en-US" sz="3600" b="1" dirty="0">
-                <a:latin typeface="Agency FB" panose="020B0503020202020204" pitchFamily="34" charset="0"/>
-              </a:rPr>
-              <a:t>The Morse Code Text displayed on the LCD</a:t>
-            </a:r>
-            <a:endParaRPr lang="en-US" sz="3600" b="1" dirty="0">
-              <a:solidFill>
-                <a:schemeClr val="tx2"/>
-              </a:solidFill>
-              <a:latin typeface="Agency FB" panose="020B0503020202020204" pitchFamily="34" charset="0"/>
-            </a:endParaRPr>
-          </a:p>
-        </p:txBody>
-      </p:sp>
-      <p:sp>
-        <p:nvSpPr>
-          <p:cNvPr id="107" name="TextBox 106"/>
-          <p:cNvSpPr txBox="1"/>
-          <p:nvPr/>
-        </p:nvSpPr>
-        <p:spPr>
-          <a:xfrm>
-            <a:off x="15011400" y="29149989"/>
-            <a:ext cx="4393892" cy="1200329"/>
-          </a:xfrm>
-          <a:prstGeom prst="rect">
-            <a:avLst/>
-          </a:prstGeom>
-          <a:noFill/>
-        </p:spPr>
-        <p:txBody>
-          <a:bodyPr wrap="square" rtlCol="0">
-            <a:spAutoFit/>
-          </a:bodyPr>
-          <a:lstStyle/>
-          <a:p>
-            <a:pPr algn="ctr"/>
-            <a:r>
-              <a:rPr lang="en-US" sz="3600" b="1" dirty="0">
-                <a:latin typeface="Agency FB" panose="020B0503020202020204" pitchFamily="34" charset="0"/>
-              </a:rPr>
-              <a:t>The LED mid-process of strobing the SOS signal</a:t>
-            </a:r>
-            <a:endParaRPr lang="en-US" sz="3600" b="1" dirty="0">
-              <a:solidFill>
-                <a:schemeClr val="tx2"/>
-              </a:solidFill>
-              <a:latin typeface="Agency FB" panose="020B0503020202020204" pitchFamily="34" charset="0"/>
-            </a:endParaRPr>
           </a:p>
         </p:txBody>
       </p:sp>
@@ -4604,16 +4567,58 @@
           </a:fontRef>
         </p:style>
       </p:cxnSp>
+      <p:sp>
+        <p:nvSpPr>
+          <p:cNvPr id="87" name="TextBox 86"/>
+          <p:cNvSpPr txBox="1"/>
+          <p:nvPr/>
+        </p:nvSpPr>
+        <p:spPr>
+          <a:xfrm>
+            <a:off x="15303549" y="35848974"/>
+            <a:ext cx="12801600" cy="1692771"/>
+          </a:xfrm>
+          <a:prstGeom prst="rect">
+            <a:avLst/>
+          </a:prstGeom>
+          <a:noFill/>
+        </p:spPr>
+        <p:txBody>
+          <a:bodyPr wrap="square" rtlCol="0">
+            <a:spAutoFit/>
+          </a:bodyPr>
+          <a:lstStyle/>
+          <a:p>
+            <a:r>
+              <a:rPr lang="en-US" sz="3600" b="1" dirty="0">
+                <a:latin typeface="Agency FB" panose="020B0503020202020204" pitchFamily="34" charset="0"/>
+              </a:rPr>
+              <a:t>Acknowledgements </a:t>
+            </a:r>
+          </a:p>
+          <a:p>
+            <a:r>
+              <a:rPr lang="en-US" sz="3600" dirty="0">
+                <a:latin typeface="Agency FB" panose="020B0503020202020204" pitchFamily="34" charset="0"/>
+              </a:rPr>
+              <a:t>T. </a:t>
+            </a:r>
+          </a:p>
+          <a:p>
+            <a:endParaRPr lang="en-US" sz="3200" dirty="0"/>
+          </a:p>
+        </p:txBody>
+      </p:sp>
       <p:pic>
         <p:nvPicPr>
-          <p:cNvPr id="41" name="Picture 2"/>
+          <p:cNvPr id="1035" name="Picture 6" descr="Image result for ground symbol"/>
           <p:cNvPicPr>
             <a:picLocks noChangeAspect="1" noChangeArrowheads="1"/>
           </p:cNvPicPr>
           <p:nvPr/>
         </p:nvPicPr>
         <p:blipFill>
-          <a:blip r:embed="rId3">
+          <a:blip r:embed="rId3" cstate="print">
             <a:extLst>
               <a:ext uri="{28A0092B-C50C-407E-A947-70E740481C1C}">
                 <a14:useLocalDpi xmlns:a14="http://schemas.microsoft.com/office/drawing/2010/main" val="0"/>
@@ -4627,166 +4632,34 @@
         </p:blipFill>
         <p:spPr bwMode="auto">
           <a:xfrm>
-            <a:off x="588497" y="447686"/>
-            <a:ext cx="4516903" cy="2687557"/>
+            <a:off x="23134089" y="21161384"/>
+            <a:ext cx="300788" cy="457200"/>
           </a:xfrm>
           <a:prstGeom prst="rect">
             <a:avLst/>
           </a:prstGeom>
           <a:noFill/>
-          <a:ln>
-            <a:noFill/>
-          </a:ln>
-          <a:effectLst/>
           <a:extLst>
             <a:ext uri="{909E8E84-426E-40DD-AFC4-6F175D3DCCD1}">
               <a14:hiddenFill xmlns:a14="http://schemas.microsoft.com/office/drawing/2010/main">
                 <a:solidFill>
-                  <a:schemeClr val="accent1"/>
+                  <a:srgbClr val="FFFFFF"/>
                 </a:solidFill>
               </a14:hiddenFill>
             </a:ext>
-            <a:ext uri="{91240B29-F687-4F45-9708-019B960494DF}">
-              <a14:hiddenLine xmlns:a14="http://schemas.microsoft.com/office/drawing/2010/main" w="9525">
-                <a:solidFill>
-                  <a:schemeClr val="tx1"/>
-                </a:solidFill>
-                <a:miter lim="800000"/>
-                <a:headEnd/>
-                <a:tailEnd/>
-              </a14:hiddenLine>
-            </a:ext>
-            <a:ext uri="{AF507438-7753-43E0-B8FC-AC1667EBCBE1}">
-              <a14:hiddenEffects xmlns:a14="http://schemas.microsoft.com/office/drawing/2010/main">
-                <a:effectLst>
-                  <a:outerShdw dist="35921" dir="2700000" algn="ctr" rotWithShape="0">
-                    <a:schemeClr val="bg2"/>
-                  </a:outerShdw>
-                </a:effectLst>
-              </a14:hiddenEffects>
-            </a:ext>
           </a:extLst>
         </p:spPr>
       </p:pic>
-      <p:sp>
-        <p:nvSpPr>
-          <p:cNvPr id="87" name="TextBox 86"/>
-          <p:cNvSpPr txBox="1"/>
-          <p:nvPr/>
-        </p:nvSpPr>
-        <p:spPr>
-          <a:xfrm>
-            <a:off x="15303549" y="35848974"/>
-            <a:ext cx="12801600" cy="1692771"/>
-          </a:xfrm>
-          <a:prstGeom prst="rect">
-            <a:avLst/>
-          </a:prstGeom>
-          <a:noFill/>
-        </p:spPr>
-        <p:txBody>
-          <a:bodyPr wrap="square" rtlCol="0">
-            <a:spAutoFit/>
-          </a:bodyPr>
-          <a:lstStyle/>
-          <a:p>
-            <a:r>
-              <a:rPr lang="en-US" sz="3600" b="1" dirty="0">
-                <a:latin typeface="Agency FB" panose="020B0503020202020204" pitchFamily="34" charset="0"/>
-              </a:rPr>
-              <a:t>Acknowledgements </a:t>
-            </a:r>
-          </a:p>
-          <a:p>
-            <a:r>
-              <a:rPr lang="en-US" sz="3600" dirty="0">
-                <a:latin typeface="Agency FB" panose="020B0503020202020204" pitchFamily="34" charset="0"/>
-              </a:rPr>
-              <a:t>T. </a:t>
-            </a:r>
-          </a:p>
-          <a:p>
-            <a:endParaRPr lang="en-US" sz="3200" dirty="0"/>
-          </a:p>
-        </p:txBody>
-      </p:sp>
-      <p:sp>
-        <p:nvSpPr>
-          <p:cNvPr id="3" name="TextBox 2"/>
-          <p:cNvSpPr txBox="1"/>
-          <p:nvPr/>
-        </p:nvSpPr>
-        <p:spPr>
-          <a:xfrm>
-            <a:off x="25513402" y="405825"/>
-            <a:ext cx="3671198" cy="1107996"/>
-          </a:xfrm>
-          <a:prstGeom prst="rect">
-            <a:avLst/>
-          </a:prstGeom>
-          <a:noFill/>
-        </p:spPr>
-        <p:txBody>
-          <a:bodyPr wrap="none" rtlCol="0">
-            <a:spAutoFit/>
-          </a:bodyPr>
-          <a:lstStyle/>
-          <a:p>
-            <a:r>
-              <a:rPr lang="en-US" sz="6600" b="1" dirty="0"/>
-              <a:t>Spring ‘18</a:t>
-            </a:r>
-          </a:p>
-        </p:txBody>
-      </p:sp>
-      <p:sp>
-        <p:nvSpPr>
-          <p:cNvPr id="140" name="TextBox 139"/>
-          <p:cNvSpPr txBox="1"/>
-          <p:nvPr/>
-        </p:nvSpPr>
-        <p:spPr>
-          <a:xfrm>
-            <a:off x="22264797" y="29257516"/>
-            <a:ext cx="3468302" cy="1200329"/>
-          </a:xfrm>
-          <a:prstGeom prst="rect">
-            <a:avLst/>
-          </a:prstGeom>
-          <a:noFill/>
-        </p:spPr>
-        <p:txBody>
-          <a:bodyPr wrap="square" rtlCol="0">
-            <a:spAutoFit/>
-          </a:bodyPr>
-          <a:lstStyle/>
-          <a:p>
-            <a:pPr algn="ctr"/>
-            <a:r>
-              <a:rPr lang="en-US" sz="3600" b="1" dirty="0">
-                <a:latin typeface="Agency FB" panose="020B0503020202020204" pitchFamily="34" charset="0"/>
-              </a:rPr>
-              <a:t>The data being sent out via Bluetooth</a:t>
-            </a:r>
-            <a:endParaRPr lang="en-US" sz="3600" b="1" dirty="0">
-              <a:solidFill>
-                <a:schemeClr val="tx2"/>
-              </a:solidFill>
-              <a:latin typeface="Agency FB" panose="020B0503020202020204" pitchFamily="34" charset="0"/>
-            </a:endParaRPr>
-          </a:p>
-        </p:txBody>
-      </p:sp>
       <p:pic>
         <p:nvPicPr>
-          <p:cNvPr id="1035" name="Picture 6" descr="Image result for ground symbol"/>
+          <p:cNvPr id="1026" name="Picture 2" descr="Image result for college of engineering iowa"/>
           <p:cNvPicPr>
             <a:picLocks noChangeAspect="1" noChangeArrowheads="1"/>
           </p:cNvPicPr>
           <p:nvPr/>
         </p:nvPicPr>
         <p:blipFill>
-          <a:blip r:embed="rId4" cstate="print">
+          <a:blip r:embed="rId4">
             <a:extLst>
               <a:ext uri="{28A0092B-C50C-407E-A947-70E740481C1C}">
                 <a14:useLocalDpi xmlns:a14="http://schemas.microsoft.com/office/drawing/2010/main" val="0"/>
@@ -4800,8 +4673,73 @@
         </p:blipFill>
         <p:spPr bwMode="auto">
           <a:xfrm>
-            <a:off x="23134089" y="21161384"/>
-            <a:ext cx="300788" cy="457200"/>
+            <a:off x="275757" y="358022"/>
+            <a:ext cx="5946163" cy="2296502"/>
+          </a:xfrm>
+          <a:prstGeom prst="rect">
+            <a:avLst/>
+          </a:prstGeom>
+          <a:noFill/>
+          <a:extLst>
+            <a:ext uri="{909E8E84-426E-40DD-AFC4-6F175D3DCCD1}">
+              <a14:hiddenFill xmlns:a14="http://schemas.microsoft.com/office/drawing/2010/main">
+                <a:solidFill>
+                  <a:srgbClr val="FFFFFF"/>
+                </a:solidFill>
+              </a14:hiddenFill>
+            </a:ext>
+          </a:extLst>
+        </p:spPr>
+      </p:pic>
+      <p:pic>
+        <p:nvPicPr>
+          <p:cNvPr id="2" name="Picture 1"/>
+          <p:cNvPicPr>
+            <a:picLocks noChangeAspect="1"/>
+          </p:cNvPicPr>
+          <p:nvPr/>
+        </p:nvPicPr>
+        <p:blipFill>
+          <a:blip r:embed="rId5"/>
+          <a:stretch>
+            <a:fillRect/>
+          </a:stretch>
+        </p:blipFill>
+        <p:spPr>
+          <a:xfrm>
+            <a:off x="22767008" y="464329"/>
+            <a:ext cx="5735730" cy="2405821"/>
+          </a:xfrm>
+          <a:prstGeom prst="rect">
+            <a:avLst/>
+          </a:prstGeom>
+        </p:spPr>
+      </p:pic>
+      <p:pic>
+        <p:nvPicPr>
+          <p:cNvPr id="1028" name="Picture 4" descr="Image result for public policy center iowa"/>
+          <p:cNvPicPr>
+            <a:picLocks noChangeAspect="1" noChangeArrowheads="1"/>
+          </p:cNvPicPr>
+          <p:nvPr/>
+        </p:nvPicPr>
+        <p:blipFill>
+          <a:blip r:embed="rId6">
+            <a:extLst>
+              <a:ext uri="{28A0092B-C50C-407E-A947-70E740481C1C}">
+                <a14:useLocalDpi xmlns:a14="http://schemas.microsoft.com/office/drawing/2010/main" val="0"/>
+              </a:ext>
+            </a:extLst>
+          </a:blip>
+          <a:srcRect/>
+          <a:stretch>
+            <a:fillRect/>
+          </a:stretch>
+        </p:blipFill>
+        <p:spPr bwMode="auto">
+          <a:xfrm>
+            <a:off x="24977580" y="3073673"/>
+            <a:ext cx="3368820" cy="3781330"/>
           </a:xfrm>
           <a:prstGeom prst="rect">
             <a:avLst/>
